--- a/자료구조.pptx
+++ b/자료구조.pptx
@@ -5,7 +5,7 @@
     <p:sldMasterId id="2147483648" r:id="rId1"/>
   </p:sldMasterIdLst>
   <p:notesMasterIdLst>
-    <p:notesMasterId r:id="rId21"/>
+    <p:notesMasterId r:id="rId20"/>
   </p:notesMasterIdLst>
   <p:sldIdLst>
     <p:sldId id="256" r:id="rId2"/>
@@ -20,13 +20,12 @@
     <p:sldId id="267" r:id="rId11"/>
     <p:sldId id="268" r:id="rId12"/>
     <p:sldId id="270" r:id="rId13"/>
-    <p:sldId id="271" r:id="rId14"/>
-    <p:sldId id="272" r:id="rId15"/>
-    <p:sldId id="277" r:id="rId16"/>
-    <p:sldId id="273" r:id="rId17"/>
-    <p:sldId id="274" r:id="rId18"/>
-    <p:sldId id="275" r:id="rId19"/>
-    <p:sldId id="276" r:id="rId20"/>
+    <p:sldId id="272" r:id="rId14"/>
+    <p:sldId id="277" r:id="rId15"/>
+    <p:sldId id="273" r:id="rId16"/>
+    <p:sldId id="274" r:id="rId17"/>
+    <p:sldId id="275" r:id="rId18"/>
+    <p:sldId id="276" r:id="rId19"/>
   </p:sldIdLst>
   <p:sldSz cx="12192000" cy="6858000"/>
   <p:notesSz cx="6858000" cy="9144000"/>
@@ -1078,7 +1077,23 @@
             </a:r>
             <a:r>
               <a:rPr lang="ko-KR" altLang="en-US" baseline="0" dirty="0" smtClean="0"/>
-              <a:t>문을 사용하였고 처음에 </a:t>
+              <a:t>문을 사용하였고 가장 높은 점수가 </a:t>
+            </a:r>
+            <a:r>
+              <a:rPr lang="en-US" altLang="ko-KR" baseline="0" dirty="0" smtClean="0"/>
+              <a:t>2</a:t>
+            </a:r>
+            <a:r>
+              <a:rPr lang="ko-KR" altLang="en-US" baseline="0" dirty="0" smtClean="0"/>
+              <a:t>명일 수도 더 많을 수도 있기 때문에 그런 경우에는 다른 과목의 점수가 더 큰 학생을 출력할 수 있도록 했습니다</a:t>
+            </a:r>
+            <a:r>
+              <a:rPr lang="en-US" altLang="ko-KR" baseline="0" dirty="0" smtClean="0"/>
+              <a:t>.</a:t>
+            </a:r>
+            <a:r>
+              <a:rPr lang="ko-KR" altLang="en-US" baseline="0" dirty="0" smtClean="0"/>
+              <a:t>처음에 </a:t>
             </a:r>
             <a:r>
               <a:rPr lang="en-US" altLang="ko-KR" baseline="0" dirty="0" err="1" smtClean="0"/>
@@ -1162,7 +1177,7 @@
     </p:spTree>
     <p:extLst>
       <p:ext uri="{BB962C8B-B14F-4D97-AF65-F5344CB8AC3E}">
-        <p14:creationId xmlns:p14="http://schemas.microsoft.com/office/powerpoint/2010/main" val="199238343"/>
+        <p14:creationId xmlns:p14="http://schemas.microsoft.com/office/powerpoint/2010/main" val="764353877"/>
       </p:ext>
     </p:extLst>
   </p:cSld>
@@ -1218,170 +1233,22 @@
           <a:p>
             <a:r>
               <a:rPr lang="en-US" altLang="ko-KR" dirty="0" smtClean="0"/>
-              <a:t>4</a:t>
+              <a:t>1</a:t>
             </a:r>
             <a:r>
               <a:rPr lang="ko-KR" altLang="en-US" dirty="0" smtClean="0"/>
-              <a:t>번은 </a:t>
+              <a:t>등 출력을 위해 어떤 과목을 선택할지 </a:t>
+            </a:r>
+            <a:r>
+              <a:rPr lang="en-US" altLang="ko-KR" dirty="0" err="1" smtClean="0"/>
+              <a:t>printf</a:t>
+            </a:r>
+            <a:r>
+              <a:rPr lang="ko-KR" altLang="en-US" dirty="0" smtClean="0"/>
+              <a:t>해주는 부분은 함수로 만들어주었습니다</a:t>
             </a:r>
             <a:r>
               <a:rPr lang="en-US" altLang="ko-KR" dirty="0" smtClean="0"/>
-              <a:t>1</a:t>
-            </a:r>
-            <a:r>
-              <a:rPr lang="ko-KR" altLang="en-US" dirty="0" smtClean="0"/>
-              <a:t>등을 출력하는 기능으로 </a:t>
-            </a:r>
-            <a:r>
-              <a:rPr lang="en-US" altLang="ko-KR" dirty="0" smtClean="0"/>
-              <a:t>1</a:t>
-            </a:r>
-            <a:r>
-              <a:rPr lang="ko-KR" altLang="en-US" dirty="0" smtClean="0"/>
-              <a:t>번은 국어 </a:t>
-            </a:r>
-            <a:r>
-              <a:rPr lang="en-US" altLang="ko-KR" dirty="0" smtClean="0"/>
-              <a:t>1</a:t>
-            </a:r>
-            <a:r>
-              <a:rPr lang="ko-KR" altLang="en-US" dirty="0" smtClean="0"/>
-              <a:t>등</a:t>
-            </a:r>
-            <a:r>
-              <a:rPr lang="en-US" altLang="ko-KR" dirty="0" smtClean="0"/>
-              <a:t>,</a:t>
-            </a:r>
-            <a:r>
-              <a:rPr lang="en-US" altLang="ko-KR" baseline="0" dirty="0" smtClean="0"/>
-              <a:t> 2</a:t>
-            </a:r>
-            <a:r>
-              <a:rPr lang="ko-KR" altLang="en-US" baseline="0" dirty="0" smtClean="0"/>
-              <a:t>번은 자료구조 </a:t>
-            </a:r>
-            <a:r>
-              <a:rPr lang="en-US" altLang="ko-KR" baseline="0" dirty="0" smtClean="0"/>
-              <a:t>1</a:t>
-            </a:r>
-            <a:r>
-              <a:rPr lang="ko-KR" altLang="en-US" baseline="0" dirty="0" smtClean="0"/>
-              <a:t>등을 </a:t>
-            </a:r>
-            <a:r>
-              <a:rPr lang="en-US" altLang="ko-KR" baseline="0" dirty="0" err="1" smtClean="0"/>
-              <a:t>swtich</a:t>
-            </a:r>
-            <a:r>
-              <a:rPr lang="ko-KR" altLang="en-US" baseline="0" dirty="0" smtClean="0"/>
-              <a:t>문을 사용하여 구현했습니다</a:t>
-            </a:r>
-            <a:r>
-              <a:rPr lang="en-US" altLang="ko-KR" baseline="0" dirty="0" smtClean="0"/>
-              <a:t>. </a:t>
-            </a:r>
-            <a:r>
-              <a:rPr lang="en-US" altLang="ko-KR" baseline="0" dirty="0" err="1" smtClean="0"/>
-              <a:t>Defalut</a:t>
-            </a:r>
-            <a:r>
-              <a:rPr lang="ko-KR" altLang="en-US" baseline="0" dirty="0" smtClean="0"/>
-              <a:t>를 이용하여 </a:t>
-            </a:r>
-            <a:r>
-              <a:rPr lang="en-US" altLang="ko-KR" baseline="0" dirty="0" smtClean="0"/>
-              <a:t>1,2</a:t>
-            </a:r>
-            <a:r>
-              <a:rPr lang="ko-KR" altLang="en-US" baseline="0" dirty="0" smtClean="0"/>
-              <a:t>가 아닌 수는 잘못된 수를 입력했습니다 라는 문구가 뜨고 </a:t>
-            </a:r>
-            <a:r>
-              <a:rPr lang="en-US" altLang="ko-KR" baseline="0" dirty="0" smtClean="0"/>
-              <a:t>1</a:t>
-            </a:r>
-            <a:r>
-              <a:rPr lang="ko-KR" altLang="en-US" baseline="0" dirty="0" smtClean="0"/>
-              <a:t>등 여부는 </a:t>
-            </a:r>
-            <a:r>
-              <a:rPr lang="en-US" altLang="ko-KR" baseline="0" dirty="0" smtClean="0"/>
-              <a:t>for</a:t>
-            </a:r>
-            <a:r>
-              <a:rPr lang="ko-KR" altLang="en-US" baseline="0" dirty="0" smtClean="0"/>
-              <a:t>문을 사용하였고 </a:t>
-            </a:r>
-            <a:r>
-              <a:rPr lang="ko-KR" altLang="en-US" baseline="0" dirty="0" smtClean="0"/>
-              <a:t>가장 높은 점수가 </a:t>
-            </a:r>
-            <a:r>
-              <a:rPr lang="en-US" altLang="ko-KR" baseline="0" dirty="0" smtClean="0"/>
-              <a:t>2</a:t>
-            </a:r>
-            <a:r>
-              <a:rPr lang="ko-KR" altLang="en-US" baseline="0" dirty="0" smtClean="0"/>
-              <a:t>명일 수도 더 많을 수도 있기 때문에 그런 경우에는 다른 과목의 점수가 더 큰 학생을 출력할 수 있도록 했습니다</a:t>
-            </a:r>
-            <a:r>
-              <a:rPr lang="en-US" altLang="ko-KR" baseline="0" dirty="0" smtClean="0"/>
-              <a:t>.</a:t>
-            </a:r>
-            <a:r>
-              <a:rPr lang="ko-KR" altLang="en-US" baseline="0" dirty="0" smtClean="0"/>
-              <a:t>처음에 </a:t>
-            </a:r>
-            <a:r>
-              <a:rPr lang="en-US" altLang="ko-KR" baseline="0" dirty="0" err="1" smtClean="0"/>
-              <a:t>Big_korean</a:t>
-            </a:r>
-            <a:r>
-              <a:rPr lang="ko-KR" altLang="en-US" baseline="0" dirty="0" smtClean="0"/>
-              <a:t>과 </a:t>
-            </a:r>
-            <a:r>
-              <a:rPr lang="en-US" altLang="ko-KR" baseline="0" dirty="0" err="1" smtClean="0"/>
-              <a:t>Big_data</a:t>
-            </a:r>
-            <a:r>
-              <a:rPr lang="ko-KR" altLang="en-US" baseline="0" dirty="0" smtClean="0"/>
-              <a:t>를 </a:t>
-            </a:r>
-            <a:r>
-              <a:rPr lang="en-US" altLang="ko-KR" baseline="0" dirty="0" smtClean="0"/>
-              <a:t>-1</a:t>
-            </a:r>
-            <a:r>
-              <a:rPr lang="ko-KR" altLang="en-US" baseline="0" dirty="0" smtClean="0"/>
-              <a:t>로 초기화 해주었는데 </a:t>
-            </a:r>
-            <a:r>
-              <a:rPr lang="en-US" altLang="ko-KR" baseline="0" dirty="0" smtClean="0"/>
-              <a:t>-1</a:t>
-            </a:r>
-            <a:r>
-              <a:rPr lang="ko-KR" altLang="en-US" baseline="0" dirty="0" smtClean="0"/>
-              <a:t>에서 변하지 않았다면 데이터가 없는 것이므로 데이터 가없다고 출력하게 해주었고</a:t>
-            </a:r>
-            <a:r>
-              <a:rPr lang="en-US" altLang="ko-KR" baseline="0" dirty="0" smtClean="0"/>
-              <a:t>, 1</a:t>
-            </a:r>
-            <a:r>
-              <a:rPr lang="ko-KR" altLang="en-US" baseline="0" dirty="0" smtClean="0"/>
-              <a:t>등을 찾았다면 </a:t>
-            </a:r>
-            <a:r>
-              <a:rPr lang="en-US" altLang="ko-KR" baseline="0" dirty="0" err="1" smtClean="0"/>
-              <a:t>Serch</a:t>
-            </a:r>
-            <a:r>
-              <a:rPr lang="ko-KR" altLang="en-US" baseline="0" dirty="0" smtClean="0"/>
-              <a:t>함수를 이용하여 정보를 출력해주었습니다</a:t>
-            </a:r>
-            <a:r>
-              <a:rPr lang="en-US" altLang="ko-KR" baseline="0" dirty="0" smtClean="0"/>
               <a:t>.</a:t>
             </a:r>
             <a:endParaRPr lang="ko-KR" altLang="en-US" dirty="0"/>
@@ -1414,7 +1281,7 @@
     </p:spTree>
     <p:extLst>
       <p:ext uri="{BB962C8B-B14F-4D97-AF65-F5344CB8AC3E}">
-        <p14:creationId xmlns:p14="http://schemas.microsoft.com/office/powerpoint/2010/main" val="764353877"/>
+        <p14:creationId xmlns:p14="http://schemas.microsoft.com/office/powerpoint/2010/main" val="570859744"/>
       </p:ext>
     </p:extLst>
   </p:cSld>
@@ -1470,22 +1337,62 @@
           <a:p>
             <a:r>
               <a:rPr lang="en-US" altLang="ko-KR" dirty="0" smtClean="0"/>
+              <a:t>5</a:t>
+            </a:r>
+            <a:r>
+              <a:rPr lang="ko-KR" altLang="en-US" dirty="0" smtClean="0"/>
+              <a:t>번은 저장된 데이터의 개수를 출력해주는 것을 만들어 보았는데</a:t>
+            </a:r>
+            <a:r>
+              <a:rPr lang="en-US" altLang="ko-KR" dirty="0" smtClean="0"/>
+              <a:t>, </a:t>
+            </a:r>
+            <a:r>
+              <a:rPr lang="ko-KR" altLang="en-US" dirty="0" smtClean="0"/>
+              <a:t>데이터를</a:t>
+            </a:r>
+            <a:r>
+              <a:rPr lang="ko-KR" altLang="en-US" baseline="0" dirty="0" smtClean="0"/>
+              <a:t> 받을 때 마다 </a:t>
+            </a:r>
+            <a:r>
+              <a:rPr lang="en-US" altLang="ko-KR" baseline="0" dirty="0" err="1" smtClean="0"/>
+              <a:t>numofdata</a:t>
+            </a:r>
+            <a:r>
+              <a:rPr lang="ko-KR" altLang="en-US" baseline="0" dirty="0" smtClean="0"/>
+              <a:t>의 개수를 </a:t>
+            </a:r>
+            <a:r>
+              <a:rPr lang="en-US" altLang="ko-KR" baseline="0" dirty="0" smtClean="0"/>
               <a:t>1</a:t>
             </a:r>
             <a:r>
-              <a:rPr lang="ko-KR" altLang="en-US" dirty="0" smtClean="0"/>
-              <a:t>등 출력을 위해 어떤 과목을 선택할지 </a:t>
-            </a:r>
-            <a:r>
-              <a:rPr lang="en-US" altLang="ko-KR" dirty="0" err="1" smtClean="0"/>
-              <a:t>printf</a:t>
-            </a:r>
-            <a:r>
-              <a:rPr lang="ko-KR" altLang="en-US" dirty="0" smtClean="0"/>
-              <a:t>해주는 부분은 함수로 만들어주었습니다</a:t>
-            </a:r>
-            <a:r>
-              <a:rPr lang="en-US" altLang="ko-KR" dirty="0" smtClean="0"/>
+              <a:rPr lang="ko-KR" altLang="en-US" baseline="0" dirty="0" smtClean="0"/>
+              <a:t>개씩 늘려주었고 데이터를 삭제할 때에는 </a:t>
+            </a:r>
+            <a:r>
+              <a:rPr lang="en-US" altLang="ko-KR" baseline="0" dirty="0" smtClean="0"/>
+              <a:t>remove</a:t>
+            </a:r>
+            <a:r>
+              <a:rPr lang="ko-KR" altLang="en-US" baseline="0" dirty="0" smtClean="0"/>
+              <a:t>를 한 개 늘려주어 </a:t>
+            </a:r>
+            <a:r>
+              <a:rPr lang="en-US" altLang="ko-KR" baseline="0" dirty="0" err="1" smtClean="0"/>
+              <a:t>numofdata</a:t>
+            </a:r>
+            <a:r>
+              <a:rPr lang="en-US" altLang="ko-KR" baseline="0" dirty="0" smtClean="0"/>
+              <a:t>-remove</a:t>
+            </a:r>
+            <a:r>
+              <a:rPr lang="ko-KR" altLang="en-US" baseline="0" dirty="0" smtClean="0"/>
+              <a:t>를 한 값을 출력하였습니다</a:t>
+            </a:r>
+            <a:r>
+              <a:rPr lang="en-US" altLang="ko-KR" baseline="0" dirty="0" smtClean="0"/>
               <a:t>.</a:t>
             </a:r>
             <a:endParaRPr lang="ko-KR" altLang="en-US" dirty="0"/>
@@ -1518,7 +1425,7 @@
     </p:spTree>
     <p:extLst>
       <p:ext uri="{BB962C8B-B14F-4D97-AF65-F5344CB8AC3E}">
-        <p14:creationId xmlns:p14="http://schemas.microsoft.com/office/powerpoint/2010/main" val="570859744"/>
+        <p14:creationId xmlns:p14="http://schemas.microsoft.com/office/powerpoint/2010/main" val="8634921"/>
       </p:ext>
     </p:extLst>
   </p:cSld>
@@ -1574,59 +1481,63 @@
           <a:p>
             <a:r>
               <a:rPr lang="en-US" altLang="ko-KR" dirty="0" smtClean="0"/>
-              <a:t>5</a:t>
+              <a:t>1,2,3,4,5</a:t>
             </a:r>
             <a:r>
               <a:rPr lang="ko-KR" altLang="en-US" dirty="0" smtClean="0"/>
-              <a:t>번은 저장된 데이터의 개수를 출력해주는 것을 만들어 보았는데</a:t>
-            </a:r>
-            <a:r>
-              <a:rPr lang="en-US" altLang="ko-KR" dirty="0" smtClean="0"/>
-              <a:t>, </a:t>
-            </a:r>
-            <a:r>
-              <a:rPr lang="ko-KR" altLang="en-US" dirty="0" smtClean="0"/>
-              <a:t>데이터를</a:t>
+              <a:t>를 제외한 나머지</a:t>
             </a:r>
             <a:r>
               <a:rPr lang="ko-KR" altLang="en-US" baseline="0" dirty="0" smtClean="0"/>
-              <a:t> 받을 때 마다 </a:t>
+              <a:t> 숫자는 기능이 없기때문에 </a:t>
+            </a:r>
+            <a:r>
+              <a:rPr lang="en-US" altLang="ko-KR" baseline="0" dirty="0" smtClean="0"/>
+              <a:t>default</a:t>
+            </a:r>
+            <a:r>
+              <a:rPr lang="ko-KR" altLang="en-US" baseline="0" dirty="0" smtClean="0"/>
+              <a:t>를 사용하여 지정된 번호 이외에 잘못된 번호를 </a:t>
+            </a:r>
+            <a:r>
+              <a:rPr lang="ko-KR" altLang="en-US" baseline="0" dirty="0" err="1" smtClean="0"/>
+              <a:t>입력했습니다라는</a:t>
+            </a:r>
+            <a:r>
+              <a:rPr lang="ko-KR" altLang="en-US" baseline="0" dirty="0" smtClean="0"/>
+              <a:t> 문구가 뜨게 하였습니다</a:t>
+            </a:r>
+            <a:r>
+              <a:rPr lang="en-US" altLang="ko-KR" baseline="0" dirty="0" smtClean="0"/>
+              <a:t>. </a:t>
+            </a:r>
+            <a:r>
+              <a:rPr lang="ko-KR" altLang="en-US" baseline="0" dirty="0" smtClean="0"/>
+              <a:t>마지막에 </a:t>
             </a:r>
             <a:r>
               <a:rPr lang="en-US" altLang="ko-KR" baseline="0" dirty="0" err="1" smtClean="0"/>
-              <a:t>numofdata</a:t>
+              <a:t>stu</a:t>
             </a:r>
             <a:r>
               <a:rPr lang="ko-KR" altLang="en-US" baseline="0" dirty="0" smtClean="0"/>
-              <a:t>의 개수를 </a:t>
+              <a:t>를 동적할당으로 만들어 주었기 때문에 </a:t>
             </a:r>
             <a:r>
               <a:rPr lang="en-US" altLang="ko-KR" baseline="0" dirty="0" smtClean="0"/>
-              <a:t>1</a:t>
+              <a:t>free(</a:t>
+            </a:r>
+            <a:r>
+              <a:rPr lang="en-US" altLang="ko-KR" baseline="0" dirty="0" err="1" smtClean="0"/>
+              <a:t>stu</a:t>
+            </a:r>
+            <a:r>
+              <a:rPr lang="en-US" altLang="ko-KR" baseline="0" dirty="0" smtClean="0"/>
+              <a:t>)</a:t>
             </a:r>
             <a:r>
               <a:rPr lang="ko-KR" altLang="en-US" baseline="0" dirty="0" smtClean="0"/>
-              <a:t>개씩 늘려주었고 데이터를 삭제할 때에는 </a:t>
-            </a:r>
-            <a:r>
-              <a:rPr lang="en-US" altLang="ko-KR" baseline="0" dirty="0" smtClean="0"/>
-              <a:t>remove</a:t>
-            </a:r>
-            <a:r>
-              <a:rPr lang="ko-KR" altLang="en-US" baseline="0" dirty="0" smtClean="0"/>
-              <a:t>를 한 개 늘려주어 </a:t>
-            </a:r>
-            <a:r>
-              <a:rPr lang="en-US" altLang="ko-KR" baseline="0" dirty="0" err="1" smtClean="0"/>
-              <a:t>numofdata</a:t>
-            </a:r>
-            <a:r>
-              <a:rPr lang="en-US" altLang="ko-KR" baseline="0" dirty="0" smtClean="0"/>
-              <a:t>-remove</a:t>
-            </a:r>
-            <a:r>
-              <a:rPr lang="ko-KR" altLang="en-US" baseline="0" dirty="0" smtClean="0"/>
-              <a:t>를 한 값을 출력하였습니다</a:t>
+              <a:t>를 하고 프로그램을 종료하게 하였습니다</a:t>
             </a:r>
             <a:r>
               <a:rPr lang="en-US" altLang="ko-KR" baseline="0" dirty="0" smtClean="0"/>
@@ -1662,7 +1573,7 @@
     </p:spTree>
     <p:extLst>
       <p:ext uri="{BB962C8B-B14F-4D97-AF65-F5344CB8AC3E}">
-        <p14:creationId xmlns:p14="http://schemas.microsoft.com/office/powerpoint/2010/main" val="8634921"/>
+        <p14:creationId xmlns:p14="http://schemas.microsoft.com/office/powerpoint/2010/main" val="720850390"/>
       </p:ext>
     </p:extLst>
   </p:cSld>
@@ -1717,64 +1628,88 @@
           <a:lstStyle/>
           <a:p>
             <a:r>
+              <a:rPr lang="ko-KR" altLang="en-US" dirty="0" smtClean="0"/>
+              <a:t>자료구조 수행평가로 </a:t>
+            </a:r>
+            <a:r>
               <a:rPr lang="en-US" altLang="ko-KR" dirty="0" smtClean="0"/>
-              <a:t>1,2,3,4,5</a:t>
+              <a:t>c</a:t>
             </a:r>
             <a:r>
               <a:rPr lang="ko-KR" altLang="en-US" dirty="0" smtClean="0"/>
-              <a:t>를 제외한 나머지</a:t>
+              <a:t>언어를 사용하여 학생 관리 프로그램을 만들어 보았습니다</a:t>
+            </a:r>
+            <a:r>
+              <a:rPr lang="en-US" altLang="ko-KR" dirty="0" smtClean="0"/>
+              <a:t>. </a:t>
+            </a:r>
+            <a:r>
+              <a:rPr lang="ko-KR" altLang="en-US" dirty="0" err="1" smtClean="0"/>
+              <a:t>대소고에</a:t>
+            </a:r>
+            <a:r>
+              <a:rPr lang="ko-KR" altLang="en-US" dirty="0" smtClean="0"/>
+              <a:t> 오기 전에 선배의 </a:t>
+            </a:r>
+            <a:r>
+              <a:rPr lang="en-US" altLang="ko-KR" dirty="0" err="1" smtClean="0"/>
+              <a:t>github</a:t>
+            </a:r>
+            <a:r>
+              <a:rPr lang="ko-KR" altLang="en-US" dirty="0" smtClean="0"/>
+              <a:t>에서 </a:t>
+            </a:r>
+            <a:r>
+              <a:rPr lang="en-US" altLang="ko-KR" dirty="0" smtClean="0"/>
+              <a:t>c</a:t>
+            </a:r>
+            <a:r>
+              <a:rPr lang="ko-KR" altLang="en-US" dirty="0" smtClean="0"/>
+              <a:t>언어로 만든 선생님 관리 프로그램을 </a:t>
+            </a:r>
+            <a:r>
+              <a:rPr lang="ko-KR" altLang="en-US" dirty="0" err="1" smtClean="0"/>
+              <a:t>봤었을</a:t>
+            </a:r>
+            <a:r>
+              <a:rPr lang="ko-KR" altLang="en-US" dirty="0" smtClean="0"/>
+              <a:t> 때 </a:t>
+            </a:r>
+            <a:r>
+              <a:rPr lang="ko-KR" altLang="en-US" dirty="0" err="1" smtClean="0"/>
+              <a:t>신기했었는데</a:t>
+            </a:r>
+            <a:r>
+              <a:rPr lang="ko-KR" altLang="en-US" dirty="0" smtClean="0"/>
+              <a:t> 비슷한 학생 관리</a:t>
             </a:r>
             <a:r>
               <a:rPr lang="ko-KR" altLang="en-US" baseline="0" dirty="0" smtClean="0"/>
-              <a:t> 숫자는 기능이 없기때문에 </a:t>
+              <a:t> 프로그램을 완성시키니까 예전에 못했던 것을 이제는 할 수 있어 뿌듯한 느낌도 들었고 연결리스트로 하다가 </a:t>
+            </a:r>
+            <a:r>
+              <a:rPr lang="ko-KR" altLang="en-US" baseline="0" dirty="0" err="1" smtClean="0"/>
+              <a:t>멘탈이</a:t>
+            </a:r>
+            <a:r>
+              <a:rPr lang="ko-KR" altLang="en-US" baseline="0" dirty="0" smtClean="0"/>
+              <a:t> </a:t>
+            </a:r>
+            <a:r>
+              <a:rPr lang="ko-KR" altLang="en-US" baseline="0" dirty="0" err="1" smtClean="0"/>
+              <a:t>깨질뻔</a:t>
+            </a:r>
+            <a:r>
+              <a:rPr lang="ko-KR" altLang="en-US" baseline="0" dirty="0" smtClean="0"/>
+              <a:t> 하기도 했지만</a:t>
             </a:r>
             <a:r>
               <a:rPr lang="en-US" altLang="ko-KR" baseline="0" dirty="0" smtClean="0"/>
-              <a:t>default</a:t>
+              <a:t>, </a:t>
             </a:r>
             <a:r>
               <a:rPr lang="ko-KR" altLang="en-US" baseline="0" dirty="0" smtClean="0"/>
-              <a:t>를 사용하여 지정된 번호 이외에 잘못된 번호를 </a:t>
-            </a:r>
-            <a:r>
-              <a:rPr lang="ko-KR" altLang="en-US" baseline="0" dirty="0" err="1" smtClean="0"/>
-              <a:t>입력했습니다라는</a:t>
-            </a:r>
-            <a:r>
-              <a:rPr lang="ko-KR" altLang="en-US" baseline="0" dirty="0" smtClean="0"/>
-              <a:t> 문구가 뜨게 하였습니다</a:t>
-            </a:r>
-            <a:r>
-              <a:rPr lang="en-US" altLang="ko-KR" baseline="0" dirty="0" smtClean="0"/>
-              <a:t>. </a:t>
-            </a:r>
-            <a:r>
-              <a:rPr lang="ko-KR" altLang="en-US" baseline="0" dirty="0" smtClean="0"/>
-              <a:t>마지막에 </a:t>
-            </a:r>
-            <a:r>
-              <a:rPr lang="en-US" altLang="ko-KR" baseline="0" dirty="0" err="1" smtClean="0"/>
-              <a:t>stu</a:t>
-            </a:r>
-            <a:r>
-              <a:rPr lang="ko-KR" altLang="en-US" baseline="0" dirty="0" smtClean="0"/>
-              <a:t>를 동적할당으로 만들어 주었기 때문에 </a:t>
-            </a:r>
-            <a:r>
-              <a:rPr lang="en-US" altLang="ko-KR" baseline="0" dirty="0" smtClean="0"/>
-              <a:t>free(</a:t>
-            </a:r>
-            <a:r>
-              <a:rPr lang="en-US" altLang="ko-KR" baseline="0" dirty="0" err="1" smtClean="0"/>
-              <a:t>stu</a:t>
-            </a:r>
-            <a:r>
-              <a:rPr lang="en-US" altLang="ko-KR" baseline="0" dirty="0" smtClean="0"/>
-              <a:t>)</a:t>
-            </a:r>
-            <a:r>
-              <a:rPr lang="ko-KR" altLang="en-US" baseline="0" dirty="0" smtClean="0"/>
-              <a:t>를 하고 프로그램을 종료하게 하였습니다</a:t>
+              <a:t>다행히 배열리스트로 기능들을 완성시킬 수 있어서 만족스러웠습니다</a:t>
             </a:r>
             <a:r>
               <a:rPr lang="en-US" altLang="ko-KR" baseline="0" dirty="0" smtClean="0"/>
@@ -1810,7 +1745,7 @@
     </p:spTree>
     <p:extLst>
       <p:ext uri="{BB962C8B-B14F-4D97-AF65-F5344CB8AC3E}">
-        <p14:creationId xmlns:p14="http://schemas.microsoft.com/office/powerpoint/2010/main" val="720850390"/>
+        <p14:creationId xmlns:p14="http://schemas.microsoft.com/office/powerpoint/2010/main" val="1709496555"/>
       </p:ext>
     </p:extLst>
   </p:cSld>
@@ -1864,94 +1799,6 @@
           <a:bodyPr/>
           <a:lstStyle/>
           <a:p>
-            <a:r>
-              <a:rPr lang="ko-KR" altLang="en-US" dirty="0" smtClean="0"/>
-              <a:t>자료구조 수행평가로 </a:t>
-            </a:r>
-            <a:r>
-              <a:rPr lang="en-US" altLang="ko-KR" dirty="0" smtClean="0"/>
-              <a:t>c</a:t>
-            </a:r>
-            <a:r>
-              <a:rPr lang="ko-KR" altLang="en-US" dirty="0" smtClean="0"/>
-              <a:t>언어를 사용하여 학생 관리 프로그램을 만들어 보았습니다</a:t>
-            </a:r>
-            <a:r>
-              <a:rPr lang="en-US" altLang="ko-KR" dirty="0" smtClean="0"/>
-              <a:t>. </a:t>
-            </a:r>
-            <a:r>
-              <a:rPr lang="ko-KR" altLang="en-US" dirty="0" err="1" smtClean="0"/>
-              <a:t>대소고에</a:t>
-            </a:r>
-            <a:r>
-              <a:rPr lang="ko-KR" altLang="en-US" dirty="0" smtClean="0"/>
-              <a:t> 오기 전에 선배의 </a:t>
-            </a:r>
-            <a:r>
-              <a:rPr lang="en-US" altLang="ko-KR" dirty="0" err="1" smtClean="0"/>
-              <a:t>github</a:t>
-            </a:r>
-            <a:r>
-              <a:rPr lang="ko-KR" altLang="en-US" dirty="0" smtClean="0"/>
-              <a:t>에서 </a:t>
-            </a:r>
-            <a:r>
-              <a:rPr lang="en-US" altLang="ko-KR" dirty="0" smtClean="0"/>
-              <a:t>c</a:t>
-            </a:r>
-            <a:r>
-              <a:rPr lang="ko-KR" altLang="en-US" dirty="0" smtClean="0"/>
-              <a:t>언어로 만든 선생님 관리 프로그램을 </a:t>
-            </a:r>
-            <a:r>
-              <a:rPr lang="ko-KR" altLang="en-US" dirty="0" err="1" smtClean="0"/>
-              <a:t>봤었을</a:t>
-            </a:r>
-            <a:r>
-              <a:rPr lang="ko-KR" altLang="en-US" dirty="0" smtClean="0"/>
-              <a:t> 때 </a:t>
-            </a:r>
-            <a:r>
-              <a:rPr lang="ko-KR" altLang="en-US" dirty="0" err="1" smtClean="0"/>
-              <a:t>신기했었는데</a:t>
-            </a:r>
-            <a:r>
-              <a:rPr lang="ko-KR" altLang="en-US" dirty="0" smtClean="0"/>
-              <a:t> 비슷한 학생 관리</a:t>
-            </a:r>
-            <a:r>
-              <a:rPr lang="ko-KR" altLang="en-US" baseline="0" dirty="0" smtClean="0"/>
-              <a:t> 프로그램을 완성시키니까 예전에 못했던 것을 이제는 할 수 있어 뿌듯한 느낌도 들었고 연결리스트로 하다가 </a:t>
-            </a:r>
-            <a:r>
-              <a:rPr lang="ko-KR" altLang="en-US" baseline="0" dirty="0" err="1" smtClean="0"/>
-              <a:t>멘탈이</a:t>
-            </a:r>
-            <a:r>
-              <a:rPr lang="ko-KR" altLang="en-US" baseline="0" dirty="0" smtClean="0"/>
-              <a:t> </a:t>
-            </a:r>
-            <a:r>
-              <a:rPr lang="ko-KR" altLang="en-US" baseline="0" dirty="0" err="1" smtClean="0"/>
-              <a:t>깨질뻔</a:t>
-            </a:r>
-            <a:r>
-              <a:rPr lang="ko-KR" altLang="en-US" baseline="0" dirty="0" smtClean="0"/>
-              <a:t> 하기도 했지만</a:t>
-            </a:r>
-            <a:r>
-              <a:rPr lang="en-US" altLang="ko-KR" baseline="0" dirty="0" smtClean="0"/>
-              <a:t>, </a:t>
-            </a:r>
-            <a:r>
-              <a:rPr lang="ko-KR" altLang="en-US" baseline="0" dirty="0" smtClean="0"/>
-              <a:t>다행히 배열리스트로 기능들을 완성시킬 수 있어서 만족스러웠습니다</a:t>
-            </a:r>
-            <a:r>
-              <a:rPr lang="en-US" altLang="ko-KR" baseline="0" dirty="0" smtClean="0"/>
-              <a:t>.</a:t>
-            </a:r>
             <a:endParaRPr lang="ko-KR" altLang="en-US" dirty="0"/>
           </a:p>
         </p:txBody>
@@ -1974,90 +1821,6 @@
             <a:fld id="{4D5272F0-2CEC-426B-A597-712FF1625733}" type="slidenum">
               <a:rPr lang="ko-KR" altLang="en-US" smtClean="0"/>
               <a:t>18</a:t>
-            </a:fld>
-            <a:endParaRPr lang="ko-KR" altLang="en-US"/>
-          </a:p>
-        </p:txBody>
-      </p:sp>
-    </p:spTree>
-    <p:extLst>
-      <p:ext uri="{BB962C8B-B14F-4D97-AF65-F5344CB8AC3E}">
-        <p14:creationId xmlns:p14="http://schemas.microsoft.com/office/powerpoint/2010/main" val="1709496555"/>
-      </p:ext>
-    </p:extLst>
-  </p:cSld>
-  <p:clrMapOvr>
-    <a:masterClrMapping/>
-  </p:clrMapOvr>
-</p:notes>
-</file>
-
-<file path=ppt/notesSlides/notesSlide18.xml><?xml version="1.0" encoding="utf-8"?>
-<p:notes xmlns:a="http://schemas.openxmlformats.org/drawingml/2006/main" xmlns:r="http://schemas.openxmlformats.org/officeDocument/2006/relationships" xmlns:p="http://schemas.openxmlformats.org/presentationml/2006/main">
-  <p:cSld>
-    <p:spTree>
-      <p:nvGrpSpPr>
-        <p:cNvPr id="1" name=""/>
-        <p:cNvGrpSpPr/>
-        <p:nvPr/>
-      </p:nvGrpSpPr>
-      <p:grpSpPr>
-        <a:xfrm>
-          <a:off x="0" y="0"/>
-          <a:ext cx="0" cy="0"/>
-          <a:chOff x="0" y="0"/>
-          <a:chExt cx="0" cy="0"/>
-        </a:xfrm>
-      </p:grpSpPr>
-      <p:sp>
-        <p:nvSpPr>
-          <p:cNvPr id="2" name="슬라이드 이미지 개체 틀 1"/>
-          <p:cNvSpPr>
-            <a:spLocks noGrp="1" noRot="1" noChangeAspect="1"/>
-          </p:cNvSpPr>
-          <p:nvPr>
-            <p:ph type="sldImg"/>
-          </p:nvPr>
-        </p:nvSpPr>
-        <p:spPr/>
-      </p:sp>
-      <p:sp>
-        <p:nvSpPr>
-          <p:cNvPr id="3" name="슬라이드 노트 개체 틀 2"/>
-          <p:cNvSpPr>
-            <a:spLocks noGrp="1"/>
-          </p:cNvSpPr>
-          <p:nvPr>
-            <p:ph type="body" idx="1"/>
-          </p:nvPr>
-        </p:nvSpPr>
-        <p:spPr/>
-        <p:txBody>
-          <a:bodyPr/>
-          <a:lstStyle/>
-          <a:p>
-            <a:endParaRPr lang="ko-KR" altLang="en-US" dirty="0"/>
-          </a:p>
-        </p:txBody>
-      </p:sp>
-      <p:sp>
-        <p:nvSpPr>
-          <p:cNvPr id="4" name="슬라이드 번호 개체 틀 3"/>
-          <p:cNvSpPr>
-            <a:spLocks noGrp="1"/>
-          </p:cNvSpPr>
-          <p:nvPr>
-            <p:ph type="sldNum" sz="quarter" idx="10"/>
-          </p:nvPr>
-        </p:nvSpPr>
-        <p:spPr/>
-        <p:txBody>
-          <a:bodyPr/>
-          <a:lstStyle/>
-          <a:p>
-            <a:fld id="{4D5272F0-2CEC-426B-A597-712FF1625733}" type="slidenum">
-              <a:rPr lang="ko-KR" altLang="en-US" smtClean="0"/>
-              <a:t>19</a:t>
             </a:fld>
             <a:endParaRPr lang="ko-KR" altLang="en-US"/>
           </a:p>
@@ -2270,15 +2033,7 @@
             </a:r>
             <a:r>
               <a:rPr lang="ko-KR" altLang="en-US" baseline="0" dirty="0" smtClean="0"/>
-              <a:t> 아침 </a:t>
-            </a:r>
-            <a:r>
-              <a:rPr lang="ko-KR" altLang="en-US" baseline="0" dirty="0" smtClean="0"/>
-              <a:t>택견 </a:t>
-            </a:r>
-            <a:r>
-              <a:rPr lang="ko-KR" altLang="en-US" baseline="0" dirty="0" smtClean="0"/>
-              <a:t>시간 때부터  어떻게 구상할 것인지 상상해보고 반에 오자마자 노트를 </a:t>
+              <a:t> 아침 택견 시간 때부터  어떻게 구상할 것인지 상상해보고 반에 오자마자 노트를 </a:t>
             </a:r>
             <a:r>
               <a:rPr lang="ko-KR" altLang="en-US" baseline="0" dirty="0" err="1" smtClean="0"/>
@@ -6321,104 +6076,6 @@
           <a:chExt cx="0" cy="0"/>
         </a:xfrm>
       </p:grpSpPr>
-      <p:sp>
-        <p:nvSpPr>
-          <p:cNvPr id="2" name="대각선 방향의 모서리가 둥근 사각형 1"/>
-          <p:cNvSpPr/>
-          <p:nvPr/>
-        </p:nvSpPr>
-        <p:spPr>
-          <a:xfrm>
-            <a:off x="333375" y="247650"/>
-            <a:ext cx="3105150" cy="990600"/>
-          </a:xfrm>
-          <a:prstGeom prst="round2DiagRect">
-            <a:avLst/>
-          </a:prstGeom>
-          <a:solidFill>
-            <a:schemeClr val="accent4">
-              <a:lumMod val="40000"/>
-              <a:lumOff val="60000"/>
-            </a:schemeClr>
-          </a:solidFill>
-          <a:ln>
-            <a:solidFill>
-              <a:schemeClr val="accent2">
-                <a:lumMod val="40000"/>
-                <a:lumOff val="60000"/>
-              </a:schemeClr>
-            </a:solidFill>
-          </a:ln>
-        </p:spPr>
-        <p:style>
-          <a:lnRef idx="2">
-            <a:schemeClr val="accent1">
-              <a:shade val="50000"/>
-            </a:schemeClr>
-          </a:lnRef>
-          <a:fillRef idx="1">
-            <a:schemeClr val="accent1"/>
-          </a:fillRef>
-          <a:effectRef idx="0">
-            <a:schemeClr val="accent1"/>
-          </a:effectRef>
-          <a:fontRef idx="minor">
-            <a:schemeClr val="lt1"/>
-          </a:fontRef>
-        </p:style>
-        <p:txBody>
-          <a:bodyPr rtlCol="0" anchor="ctr"/>
-          <a:lstStyle/>
-          <a:p>
-            <a:pPr algn="ctr"/>
-            <a:r>
-              <a:rPr lang="ko-KR" altLang="en-US" sz="2000" b="1" dirty="0" smtClean="0">
-                <a:solidFill>
-                  <a:schemeClr val="tx2">
-                    <a:lumMod val="75000"/>
-                  </a:schemeClr>
-                </a:solidFill>
-                <a:latin typeface="1훈레몬소다 Regular" panose="02020603020101020101" pitchFamily="18" charset="-127"/>
-                <a:ea typeface="1훈레몬소다 Regular" panose="02020603020101020101" pitchFamily="18" charset="-127"/>
-              </a:rPr>
-              <a:t>관리 프로그램 완성</a:t>
-            </a:r>
-            <a:endParaRPr lang="en-US" altLang="ko-KR" sz="2000" b="1" dirty="0" smtClean="0">
-              <a:solidFill>
-                <a:schemeClr val="tx2">
-                  <a:lumMod val="75000"/>
-                </a:schemeClr>
-              </a:solidFill>
-              <a:latin typeface="1훈레몬소다 Regular" panose="02020603020101020101" pitchFamily="18" charset="-127"/>
-              <a:ea typeface="1훈레몬소다 Regular" panose="02020603020101020101" pitchFamily="18" charset="-127"/>
-            </a:endParaRPr>
-          </a:p>
-          <a:p>
-            <a:pPr algn="ctr"/>
-            <a:r>
-              <a:rPr lang="ko-KR" altLang="en-US" sz="2000" b="1" dirty="0" smtClean="0">
-                <a:solidFill>
-                  <a:schemeClr val="tx2">
-                    <a:lumMod val="75000"/>
-                  </a:schemeClr>
-                </a:solidFill>
-                <a:latin typeface="1훈레몬소다 Regular" panose="02020603020101020101" pitchFamily="18" charset="-127"/>
-                <a:ea typeface="1훈레몬소다 Regular" panose="02020603020101020101" pitchFamily="18" charset="-127"/>
-              </a:rPr>
-              <a:t>정보 검색</a:t>
-            </a:r>
-            <a:endParaRPr lang="ko-KR" altLang="en-US" sz="2000" b="1" dirty="0">
-              <a:solidFill>
-                <a:schemeClr val="tx2">
-                  <a:lumMod val="75000"/>
-                </a:schemeClr>
-              </a:solidFill>
-              <a:latin typeface="1훈레몬소다 Regular" panose="02020603020101020101" pitchFamily="18" charset="-127"/>
-              <a:ea typeface="1훈레몬소다 Regular" panose="02020603020101020101" pitchFamily="18" charset="-127"/>
-            </a:endParaRPr>
-          </a:p>
-        </p:txBody>
-      </p:sp>
       <p:pic>
         <p:nvPicPr>
           <p:cNvPr id="4" name="그림 3"/>
@@ -6443,6 +6100,104 @@
           </a:prstGeom>
         </p:spPr>
       </p:pic>
+      <p:sp>
+        <p:nvSpPr>
+          <p:cNvPr id="5" name="대각선 방향의 모서리가 둥근 사각형 4"/>
+          <p:cNvSpPr/>
+          <p:nvPr/>
+        </p:nvSpPr>
+        <p:spPr>
+          <a:xfrm>
+            <a:off x="333375" y="247650"/>
+            <a:ext cx="3105150" cy="990600"/>
+          </a:xfrm>
+          <a:prstGeom prst="round2DiagRect">
+            <a:avLst/>
+          </a:prstGeom>
+          <a:solidFill>
+            <a:schemeClr val="accent3">
+              <a:lumMod val="40000"/>
+              <a:lumOff val="60000"/>
+            </a:schemeClr>
+          </a:solidFill>
+          <a:ln>
+            <a:solidFill>
+              <a:schemeClr val="accent3">
+                <a:lumMod val="20000"/>
+                <a:lumOff val="80000"/>
+              </a:schemeClr>
+            </a:solidFill>
+          </a:ln>
+        </p:spPr>
+        <p:style>
+          <a:lnRef idx="2">
+            <a:schemeClr val="accent1">
+              <a:shade val="50000"/>
+            </a:schemeClr>
+          </a:lnRef>
+          <a:fillRef idx="1">
+            <a:schemeClr val="accent1"/>
+          </a:fillRef>
+          <a:effectRef idx="0">
+            <a:schemeClr val="accent1"/>
+          </a:effectRef>
+          <a:fontRef idx="minor">
+            <a:schemeClr val="lt1"/>
+          </a:fontRef>
+        </p:style>
+        <p:txBody>
+          <a:bodyPr rtlCol="0" anchor="ctr"/>
+          <a:lstStyle/>
+          <a:p>
+            <a:pPr algn="ctr"/>
+            <a:r>
+              <a:rPr lang="ko-KR" altLang="en-US" sz="2000" b="1" dirty="0" smtClean="0">
+                <a:solidFill>
+                  <a:schemeClr val="tx2">
+                    <a:lumMod val="75000"/>
+                  </a:schemeClr>
+                </a:solidFill>
+                <a:latin typeface="1훈레몬소다 Regular" panose="02020603020101020101" pitchFamily="18" charset="-127"/>
+                <a:ea typeface="1훈레몬소다 Regular" panose="02020603020101020101" pitchFamily="18" charset="-127"/>
+              </a:rPr>
+              <a:t>관리 프로그램 완성</a:t>
+            </a:r>
+            <a:endParaRPr lang="en-US" altLang="ko-KR" sz="2000" b="1" dirty="0" smtClean="0">
+              <a:solidFill>
+                <a:schemeClr val="tx2">
+                  <a:lumMod val="75000"/>
+                </a:schemeClr>
+              </a:solidFill>
+              <a:latin typeface="1훈레몬소다 Regular" panose="02020603020101020101" pitchFamily="18" charset="-127"/>
+              <a:ea typeface="1훈레몬소다 Regular" panose="02020603020101020101" pitchFamily="18" charset="-127"/>
+            </a:endParaRPr>
+          </a:p>
+          <a:p>
+            <a:pPr algn="ctr"/>
+            <a:r>
+              <a:rPr lang="ko-KR" altLang="en-US" sz="2000" b="1" dirty="0" smtClean="0">
+                <a:solidFill>
+                  <a:schemeClr val="tx2">
+                    <a:lumMod val="75000"/>
+                  </a:schemeClr>
+                </a:solidFill>
+                <a:latin typeface="1훈레몬소다 Regular" panose="02020603020101020101" pitchFamily="18" charset="-127"/>
+                <a:ea typeface="1훈레몬소다 Regular" panose="02020603020101020101" pitchFamily="18" charset="-127"/>
+              </a:rPr>
+              <a:t>정보 검색</a:t>
+            </a:r>
+            <a:endParaRPr lang="ko-KR" altLang="en-US" sz="2000" b="1" dirty="0">
+              <a:solidFill>
+                <a:schemeClr val="tx2">
+                  <a:lumMod val="75000"/>
+                </a:schemeClr>
+              </a:solidFill>
+              <a:latin typeface="1훈레몬소다 Regular" panose="02020603020101020101" pitchFamily="18" charset="-127"/>
+              <a:ea typeface="1훈레몬소다 Regular" panose="02020603020101020101" pitchFamily="18" charset="-127"/>
+            </a:endParaRPr>
+          </a:p>
+        </p:txBody>
+      </p:sp>
     </p:spTree>
     <p:extLst>
       <p:ext uri="{BB962C8B-B14F-4D97-AF65-F5344CB8AC3E}">
@@ -6506,9 +6261,9 @@
             <a:avLst/>
           </a:prstGeom>
           <a:solidFill>
-            <a:schemeClr val="accent4">
-              <a:lumMod val="40000"/>
-              <a:lumOff val="60000"/>
+            <a:schemeClr val="accent2">
+              <a:lumMod val="20000"/>
+              <a:lumOff val="80000"/>
             </a:schemeClr>
           </a:solidFill>
           <a:ln>
@@ -6661,9 +6416,33 @@
           <a:chExt cx="0" cy="0"/>
         </a:xfrm>
       </p:grpSpPr>
-      <p:sp>
-        <p:nvSpPr>
-          <p:cNvPr id="3" name="대각선 방향의 모서리가 둥근 사각형 2"/>
+      <p:pic>
+        <p:nvPicPr>
+          <p:cNvPr id="6" name="그림 5"/>
+          <p:cNvPicPr>
+            <a:picLocks noChangeAspect="1"/>
+          </p:cNvPicPr>
+          <p:nvPr/>
+        </p:nvPicPr>
+        <p:blipFill>
+          <a:blip r:embed="rId3"/>
+          <a:stretch>
+            <a:fillRect/>
+          </a:stretch>
+        </p:blipFill>
+        <p:spPr>
+          <a:xfrm>
+            <a:off x="753796" y="2138932"/>
+            <a:ext cx="10700128" cy="3409014"/>
+          </a:xfrm>
+          <a:prstGeom prst="rect">
+            <a:avLst/>
+          </a:prstGeom>
+        </p:spPr>
+      </p:pic>
+      <p:sp>
+        <p:nvSpPr>
+          <p:cNvPr id="4" name="대각선 방향의 모서리가 둥근 사각형 3"/>
           <p:cNvSpPr/>
           <p:nvPr/>
         </p:nvSpPr>
@@ -6676,9 +6455,9 @@
             <a:avLst/>
           </a:prstGeom>
           <a:solidFill>
-            <a:schemeClr val="accent4">
-              <a:lumMod val="40000"/>
-              <a:lumOff val="60000"/>
+            <a:schemeClr val="accent2">
+              <a:lumMod val="20000"/>
+              <a:lumOff val="80000"/>
             </a:schemeClr>
           </a:solidFill>
           <a:ln>
@@ -6759,30 +6538,6 @@
           </a:p>
         </p:txBody>
       </p:sp>
-      <p:pic>
-        <p:nvPicPr>
-          <p:cNvPr id="6" name="그림 5"/>
-          <p:cNvPicPr>
-            <a:picLocks noChangeAspect="1"/>
-          </p:cNvPicPr>
-          <p:nvPr/>
-        </p:nvPicPr>
-        <p:blipFill>
-          <a:blip r:embed="rId3"/>
-          <a:stretch>
-            <a:fillRect/>
-          </a:stretch>
-        </p:blipFill>
-        <p:spPr>
-          <a:xfrm>
-            <a:off x="753796" y="2138932"/>
-            <a:ext cx="10700128" cy="3409014"/>
-          </a:xfrm>
-          <a:prstGeom prst="rect">
-            <a:avLst/>
-          </a:prstGeom>
-        </p:spPr>
-      </p:pic>
     </p:spTree>
     <p:extLst>
       <p:ext uri="{BB962C8B-B14F-4D97-AF65-F5344CB8AC3E}">
@@ -6833,7 +6588,7 @@
       </p:grpSpPr>
       <p:pic>
         <p:nvPicPr>
-          <p:cNvPr id="2" name="그림 1"/>
+          <p:cNvPr id="4" name="그림 3"/>
           <p:cNvPicPr>
             <a:picLocks noChangeAspect="1"/>
           </p:cNvPicPr>
@@ -6847,8 +6602,8 @@
         </p:blipFill>
         <p:spPr>
           <a:xfrm>
-            <a:off x="3584496" y="895881"/>
-            <a:ext cx="5647428" cy="5640815"/>
+            <a:off x="3612453" y="742950"/>
+            <a:ext cx="4705070" cy="5898585"/>
           </a:xfrm>
           <a:prstGeom prst="rect">
             <a:avLst/>
@@ -6857,7 +6612,7 @@
       </p:pic>
       <p:sp>
         <p:nvSpPr>
-          <p:cNvPr id="3" name="대각선 방향의 모서리가 둥근 사각형 2"/>
+          <p:cNvPr id="5" name="대각선 방향의 모서리가 둥근 사각형 4"/>
           <p:cNvSpPr/>
           <p:nvPr/>
         </p:nvSpPr>
@@ -6871,13 +6626,13 @@
           </a:prstGeom>
           <a:solidFill>
             <a:schemeClr val="accent4">
-              <a:lumMod val="40000"/>
-              <a:lumOff val="60000"/>
+              <a:lumMod val="60000"/>
+              <a:lumOff val="40000"/>
             </a:schemeClr>
           </a:solidFill>
           <a:ln>
             <a:solidFill>
-              <a:schemeClr val="accent2">
+              <a:schemeClr val="accent4">
                 <a:lumMod val="40000"/>
                 <a:lumOff val="60000"/>
               </a:schemeClr>
@@ -6968,7 +6723,7 @@
     </p:spTree>
     <p:extLst>
       <p:ext uri="{BB962C8B-B14F-4D97-AF65-F5344CB8AC3E}">
-        <p14:creationId xmlns:p14="http://schemas.microsoft.com/office/powerpoint/2010/main" val="722737222"/>
+        <p14:creationId xmlns:p14="http://schemas.microsoft.com/office/powerpoint/2010/main" val="130772768"/>
       </p:ext>
     </p:extLst>
   </p:cSld>
@@ -7013,9 +6768,33 @@
           <a:chExt cx="0" cy="0"/>
         </a:xfrm>
       </p:grpSpPr>
-      <p:sp>
-        <p:nvSpPr>
-          <p:cNvPr id="3" name="대각선 방향의 모서리가 둥근 사각형 2"/>
+      <p:pic>
+        <p:nvPicPr>
+          <p:cNvPr id="2" name="그림 1"/>
+          <p:cNvPicPr>
+            <a:picLocks noChangeAspect="1"/>
+          </p:cNvPicPr>
+          <p:nvPr/>
+        </p:nvPicPr>
+        <p:blipFill>
+          <a:blip r:embed="rId3"/>
+          <a:stretch>
+            <a:fillRect/>
+          </a:stretch>
+        </p:blipFill>
+        <p:spPr>
+          <a:xfrm>
+            <a:off x="597877" y="2740156"/>
+            <a:ext cx="10709031" cy="1773735"/>
+          </a:xfrm>
+          <a:prstGeom prst="rect">
+            <a:avLst/>
+          </a:prstGeom>
+        </p:spPr>
+      </p:pic>
+      <p:sp>
+        <p:nvSpPr>
+          <p:cNvPr id="4" name="대각선 방향의 모서리가 둥근 사각형 3"/>
           <p:cNvSpPr/>
           <p:nvPr/>
         </p:nvSpPr>
@@ -7029,13 +6808,13 @@
           </a:prstGeom>
           <a:solidFill>
             <a:schemeClr val="accent4">
-              <a:lumMod val="40000"/>
-              <a:lumOff val="60000"/>
+              <a:lumMod val="60000"/>
+              <a:lumOff val="40000"/>
             </a:schemeClr>
           </a:solidFill>
           <a:ln>
             <a:solidFill>
-              <a:schemeClr val="accent2">
+              <a:schemeClr val="accent4">
                 <a:lumMod val="40000"/>
                 <a:lumOff val="60000"/>
               </a:schemeClr>
@@ -7123,34 +6902,10 @@
           </a:p>
         </p:txBody>
       </p:sp>
-      <p:pic>
-        <p:nvPicPr>
-          <p:cNvPr id="4" name="그림 3"/>
-          <p:cNvPicPr>
-            <a:picLocks noChangeAspect="1"/>
-          </p:cNvPicPr>
-          <p:nvPr/>
-        </p:nvPicPr>
-        <p:blipFill>
-          <a:blip r:embed="rId3"/>
-          <a:stretch>
-            <a:fillRect/>
-          </a:stretch>
-        </p:blipFill>
-        <p:spPr>
-          <a:xfrm>
-            <a:off x="3612453" y="742950"/>
-            <a:ext cx="4705070" cy="5898585"/>
-          </a:xfrm>
-          <a:prstGeom prst="rect">
-            <a:avLst/>
-          </a:prstGeom>
-        </p:spPr>
-      </p:pic>
     </p:spTree>
     <p:extLst>
       <p:ext uri="{BB962C8B-B14F-4D97-AF65-F5344CB8AC3E}">
-        <p14:creationId xmlns:p14="http://schemas.microsoft.com/office/powerpoint/2010/main" val="130772768"/>
+        <p14:creationId xmlns:p14="http://schemas.microsoft.com/office/powerpoint/2010/main" val="2605015542"/>
       </p:ext>
     </p:extLst>
   </p:cSld>
@@ -7210,7 +6965,7 @@
             <a:avLst/>
           </a:prstGeom>
           <a:solidFill>
-            <a:schemeClr val="accent4">
+            <a:schemeClr val="accent2">
               <a:lumMod val="40000"/>
               <a:lumOff val="60000"/>
             </a:schemeClr>
@@ -7270,18 +7025,6 @@
           <a:p>
             <a:pPr algn="ctr"/>
             <a:r>
-              <a:rPr lang="en-US" altLang="ko-KR" sz="2000" b="1" dirty="0" smtClean="0">
-                <a:solidFill>
-                  <a:schemeClr val="tx2">
-                    <a:lumMod val="75000"/>
-                  </a:schemeClr>
-                </a:solidFill>
-                <a:latin typeface="1훈레몬소다 Regular" panose="02020603020101020101" pitchFamily="18" charset="-127"/>
-                <a:ea typeface="1훈레몬소다 Regular" panose="02020603020101020101" pitchFamily="18" charset="-127"/>
-              </a:rPr>
-              <a:t>1</a:t>
-            </a:r>
-            <a:r>
               <a:rPr lang="ko-KR" altLang="en-US" sz="2000" b="1" dirty="0" smtClean="0">
                 <a:solidFill>
                   <a:schemeClr val="tx2">
@@ -7291,7 +7034,31 @@
                 <a:latin typeface="1훈레몬소다 Regular" panose="02020603020101020101" pitchFamily="18" charset="-127"/>
                 <a:ea typeface="1훈레몬소다 Regular" panose="02020603020101020101" pitchFamily="18" charset="-127"/>
               </a:rPr>
-              <a:t>등 출력</a:t>
+              <a:t>총 데이터 </a:t>
+            </a:r>
+            <a:r>
+              <a:rPr lang="ko-KR" altLang="en-US" sz="2000" b="1" dirty="0">
+                <a:solidFill>
+                  <a:schemeClr val="tx2">
+                    <a:lumMod val="75000"/>
+                  </a:schemeClr>
+                </a:solidFill>
+                <a:latin typeface="1훈레몬소다 Regular" panose="02020603020101020101" pitchFamily="18" charset="-127"/>
+                <a:ea typeface="1훈레몬소다 Regular" panose="02020603020101020101" pitchFamily="18" charset="-127"/>
+              </a:rPr>
+              <a:t>개</a:t>
+            </a:r>
+            <a:r>
+              <a:rPr lang="ko-KR" altLang="en-US" sz="2000" b="1" dirty="0" smtClean="0">
+                <a:solidFill>
+                  <a:schemeClr val="tx2">
+                    <a:lumMod val="75000"/>
+                  </a:schemeClr>
+                </a:solidFill>
+                <a:latin typeface="1훈레몬소다 Regular" panose="02020603020101020101" pitchFamily="18" charset="-127"/>
+                <a:ea typeface="1훈레몬소다 Regular" panose="02020603020101020101" pitchFamily="18" charset="-127"/>
+              </a:rPr>
+              <a:t>수</a:t>
             </a:r>
             <a:endParaRPr lang="ko-KR" altLang="en-US" sz="2000" b="1" dirty="0">
               <a:solidFill>
@@ -7307,7 +7074,7 @@
       </p:sp>
       <p:pic>
         <p:nvPicPr>
-          <p:cNvPr id="2" name="그림 1"/>
+          <p:cNvPr id="4" name="그림 3"/>
           <p:cNvPicPr>
             <a:picLocks noChangeAspect="1"/>
           </p:cNvPicPr>
@@ -7321,8 +7088,8 @@
         </p:blipFill>
         <p:spPr>
           <a:xfrm>
-            <a:off x="597877" y="2740156"/>
-            <a:ext cx="10709031" cy="1773735"/>
+            <a:off x="1472883" y="2480771"/>
+            <a:ext cx="8726195" cy="1790950"/>
           </a:xfrm>
           <a:prstGeom prst="rect">
             <a:avLst/>
@@ -7332,7 +7099,7 @@
     </p:spTree>
     <p:extLst>
       <p:ext uri="{BB962C8B-B14F-4D97-AF65-F5344CB8AC3E}">
-        <p14:creationId xmlns:p14="http://schemas.microsoft.com/office/powerpoint/2010/main" val="2605015542"/>
+        <p14:creationId xmlns:p14="http://schemas.microsoft.com/office/powerpoint/2010/main" val="1582342239"/>
       </p:ext>
     </p:extLst>
   </p:cSld>
@@ -7392,210 +7159,16 @@
             <a:avLst/>
           </a:prstGeom>
           <a:solidFill>
-            <a:schemeClr val="accent4">
+            <a:schemeClr val="tx2">
               <a:lumMod val="40000"/>
               <a:lumOff val="60000"/>
             </a:schemeClr>
           </a:solidFill>
           <a:ln>
             <a:solidFill>
-              <a:schemeClr val="accent2">
-                <a:lumMod val="40000"/>
-                <a:lumOff val="60000"/>
-              </a:schemeClr>
-            </a:solidFill>
-          </a:ln>
-        </p:spPr>
-        <p:style>
-          <a:lnRef idx="2">
-            <a:schemeClr val="accent1">
-              <a:shade val="50000"/>
-            </a:schemeClr>
-          </a:lnRef>
-          <a:fillRef idx="1">
-            <a:schemeClr val="accent1"/>
-          </a:fillRef>
-          <a:effectRef idx="0">
-            <a:schemeClr val="accent1"/>
-          </a:effectRef>
-          <a:fontRef idx="minor">
-            <a:schemeClr val="lt1"/>
-          </a:fontRef>
-        </p:style>
-        <p:txBody>
-          <a:bodyPr rtlCol="0" anchor="ctr"/>
-          <a:lstStyle/>
-          <a:p>
-            <a:pPr algn="ctr"/>
-            <a:r>
-              <a:rPr lang="ko-KR" altLang="en-US" sz="2000" b="1" dirty="0" smtClean="0">
-                <a:solidFill>
-                  <a:schemeClr val="tx2">
-                    <a:lumMod val="75000"/>
-                  </a:schemeClr>
-                </a:solidFill>
-                <a:latin typeface="1훈레몬소다 Regular" panose="02020603020101020101" pitchFamily="18" charset="-127"/>
-                <a:ea typeface="1훈레몬소다 Regular" panose="02020603020101020101" pitchFamily="18" charset="-127"/>
-              </a:rPr>
-              <a:t>관리 프로그램 완성</a:t>
-            </a:r>
-            <a:endParaRPr lang="en-US" altLang="ko-KR" sz="2000" b="1" dirty="0" smtClean="0">
-              <a:solidFill>
-                <a:schemeClr val="tx2">
-                  <a:lumMod val="75000"/>
-                </a:schemeClr>
-              </a:solidFill>
-              <a:latin typeface="1훈레몬소다 Regular" panose="02020603020101020101" pitchFamily="18" charset="-127"/>
-              <a:ea typeface="1훈레몬소다 Regular" panose="02020603020101020101" pitchFamily="18" charset="-127"/>
-            </a:endParaRPr>
-          </a:p>
-          <a:p>
-            <a:pPr algn="ctr"/>
-            <a:r>
-              <a:rPr lang="ko-KR" altLang="en-US" sz="2000" b="1" dirty="0" smtClean="0">
-                <a:solidFill>
-                  <a:schemeClr val="tx2">
-                    <a:lumMod val="75000"/>
-                  </a:schemeClr>
-                </a:solidFill>
-                <a:latin typeface="1훈레몬소다 Regular" panose="02020603020101020101" pitchFamily="18" charset="-127"/>
-                <a:ea typeface="1훈레몬소다 Regular" panose="02020603020101020101" pitchFamily="18" charset="-127"/>
-              </a:rPr>
-              <a:t>총 데이터 </a:t>
-            </a:r>
-            <a:r>
-              <a:rPr lang="ko-KR" altLang="en-US" sz="2000" b="1" dirty="0">
-                <a:solidFill>
-                  <a:schemeClr val="tx2">
-                    <a:lumMod val="75000"/>
-                  </a:schemeClr>
-                </a:solidFill>
-                <a:latin typeface="1훈레몬소다 Regular" panose="02020603020101020101" pitchFamily="18" charset="-127"/>
-                <a:ea typeface="1훈레몬소다 Regular" panose="02020603020101020101" pitchFamily="18" charset="-127"/>
-              </a:rPr>
-              <a:t>개</a:t>
-            </a:r>
-            <a:r>
-              <a:rPr lang="ko-KR" altLang="en-US" sz="2000" b="1" dirty="0" smtClean="0">
-                <a:solidFill>
-                  <a:schemeClr val="tx2">
-                    <a:lumMod val="75000"/>
-                  </a:schemeClr>
-                </a:solidFill>
-                <a:latin typeface="1훈레몬소다 Regular" panose="02020603020101020101" pitchFamily="18" charset="-127"/>
-                <a:ea typeface="1훈레몬소다 Regular" panose="02020603020101020101" pitchFamily="18" charset="-127"/>
-              </a:rPr>
-              <a:t>수</a:t>
-            </a:r>
-            <a:endParaRPr lang="ko-KR" altLang="en-US" sz="2000" b="1" dirty="0">
-              <a:solidFill>
-                <a:schemeClr val="tx2">
-                  <a:lumMod val="75000"/>
-                </a:schemeClr>
-              </a:solidFill>
-              <a:latin typeface="1훈레몬소다 Regular" panose="02020603020101020101" pitchFamily="18" charset="-127"/>
-              <a:ea typeface="1훈레몬소다 Regular" panose="02020603020101020101" pitchFamily="18" charset="-127"/>
-            </a:endParaRPr>
-          </a:p>
-        </p:txBody>
-      </p:sp>
-      <p:pic>
-        <p:nvPicPr>
-          <p:cNvPr id="4" name="그림 3"/>
-          <p:cNvPicPr>
-            <a:picLocks noChangeAspect="1"/>
-          </p:cNvPicPr>
-          <p:nvPr/>
-        </p:nvPicPr>
-        <p:blipFill>
-          <a:blip r:embed="rId3"/>
-          <a:stretch>
-            <a:fillRect/>
-          </a:stretch>
-        </p:blipFill>
-        <p:spPr>
-          <a:xfrm>
-            <a:off x="1472883" y="2480771"/>
-            <a:ext cx="8726195" cy="1790950"/>
-          </a:xfrm>
-          <a:prstGeom prst="rect">
-            <a:avLst/>
-          </a:prstGeom>
-        </p:spPr>
-      </p:pic>
-    </p:spTree>
-    <p:extLst>
-      <p:ext uri="{BB962C8B-B14F-4D97-AF65-F5344CB8AC3E}">
-        <p14:creationId xmlns:p14="http://schemas.microsoft.com/office/powerpoint/2010/main" val="1582342239"/>
-      </p:ext>
-    </p:extLst>
-  </p:cSld>
-  <p:clrMapOvr>
-    <a:masterClrMapping/>
-  </p:clrMapOvr>
-  <p:timing>
-    <p:tnLst>
-      <p:par>
-        <p:cTn id="1" dur="indefinite" restart="never" nodeType="tmRoot"/>
-      </p:par>
-    </p:tnLst>
-  </p:timing>
-</p:sld>
-</file>
-
-<file path=ppt/slides/slide17.xml><?xml version="1.0" encoding="utf-8"?>
-<p:sld xmlns:a="http://schemas.openxmlformats.org/drawingml/2006/main" xmlns:r="http://schemas.openxmlformats.org/officeDocument/2006/relationships" xmlns:p="http://schemas.openxmlformats.org/presentationml/2006/main">
-  <p:cSld>
-    <p:bg>
-      <p:bgPr>
-        <a:solidFill>
-          <a:schemeClr val="accent1">
-            <a:lumMod val="20000"/>
-            <a:lumOff val="80000"/>
-          </a:schemeClr>
-        </a:solidFill>
-        <a:effectLst/>
-      </p:bgPr>
-    </p:bg>
-    <p:spTree>
-      <p:nvGrpSpPr>
-        <p:cNvPr id="1" name=""/>
-        <p:cNvGrpSpPr/>
-        <p:nvPr/>
-      </p:nvGrpSpPr>
-      <p:grpSpPr>
-        <a:xfrm>
-          <a:off x="0" y="0"/>
-          <a:ext cx="0" cy="0"/>
-          <a:chOff x="0" y="0"/>
-          <a:chExt cx="0" cy="0"/>
-        </a:xfrm>
-      </p:grpSpPr>
-      <p:sp>
-        <p:nvSpPr>
-          <p:cNvPr id="3" name="대각선 방향의 모서리가 둥근 사각형 2"/>
-          <p:cNvSpPr/>
-          <p:nvPr/>
-        </p:nvSpPr>
-        <p:spPr>
-          <a:xfrm>
-            <a:off x="333375" y="247650"/>
-            <a:ext cx="3105150" cy="990600"/>
-          </a:xfrm>
-          <a:prstGeom prst="round2DiagRect">
-            <a:avLst/>
-          </a:prstGeom>
-          <a:solidFill>
-            <a:schemeClr val="accent4">
-              <a:lumMod val="40000"/>
-              <a:lumOff val="60000"/>
-            </a:schemeClr>
-          </a:solidFill>
-          <a:ln>
-            <a:solidFill>
-              <a:schemeClr val="accent2">
-                <a:lumMod val="40000"/>
-                <a:lumOff val="60000"/>
+              <a:schemeClr val="tx2">
+                <a:lumMod val="60000"/>
+                <a:lumOff val="40000"/>
               </a:schemeClr>
             </a:solidFill>
           </a:ln>
@@ -7713,7 +7286,7 @@
 </p:sld>
 </file>
 
-<file path=ppt/slides/slide18.xml><?xml version="1.0" encoding="utf-8"?>
+<file path=ppt/slides/slide17.xml><?xml version="1.0" encoding="utf-8"?>
 <p:sld xmlns:a="http://schemas.openxmlformats.org/drawingml/2006/main" xmlns:r="http://schemas.openxmlformats.org/officeDocument/2006/relationships" xmlns:p="http://schemas.openxmlformats.org/presentationml/2006/main">
   <p:cSld>
     <p:bg>
@@ -7899,7 +7472,7 @@
             <a:avLst/>
           </a:prstGeom>
           <a:solidFill>
-            <a:schemeClr val="accent2">
+            <a:schemeClr val="tx2">
               <a:lumMod val="40000"/>
               <a:lumOff val="60000"/>
             </a:schemeClr>
@@ -8004,7 +7577,7 @@
             <a:avLst/>
           </a:prstGeom>
           <a:solidFill>
-            <a:schemeClr val="accent2">
+            <a:schemeClr val="accent6">
               <a:lumMod val="40000"/>
               <a:lumOff val="60000"/>
             </a:schemeClr>
@@ -8128,7 +7701,7 @@
 </p:sld>
 </file>
 
-<file path=ppt/slides/slide19.xml><?xml version="1.0" encoding="utf-8"?>
+<file path=ppt/slides/slide18.xml><?xml version="1.0" encoding="utf-8"?>
 <p:sld xmlns:a="http://schemas.openxmlformats.org/drawingml/2006/main" xmlns:r="http://schemas.openxmlformats.org/officeDocument/2006/relationships" xmlns:p="http://schemas.openxmlformats.org/presentationml/2006/main">
   <p:cSld>
     <p:bg>
@@ -9123,7 +8696,7 @@
             <a:avLst/>
           </a:prstGeom>
           <a:solidFill>
-            <a:schemeClr val="accent4">
+            <a:schemeClr val="accent2">
               <a:lumMod val="40000"/>
               <a:lumOff val="60000"/>
             </a:schemeClr>
@@ -9335,16 +8908,16 @@
             <a:avLst/>
           </a:prstGeom>
           <a:solidFill>
-            <a:schemeClr val="accent4">
+            <a:schemeClr val="accent6">
               <a:lumMod val="40000"/>
               <a:lumOff val="60000"/>
             </a:schemeClr>
           </a:solidFill>
           <a:ln>
             <a:solidFill>
-              <a:schemeClr val="accent2">
-                <a:lumMod val="40000"/>
-                <a:lumOff val="60000"/>
+              <a:schemeClr val="accent6">
+                <a:lumMod val="60000"/>
+                <a:lumOff val="40000"/>
               </a:schemeClr>
             </a:solidFill>
           </a:ln>
@@ -9523,16 +9096,16 @@
             <a:avLst/>
           </a:prstGeom>
           <a:solidFill>
-            <a:schemeClr val="accent4">
-              <a:lumMod val="40000"/>
-              <a:lumOff val="60000"/>
+            <a:schemeClr val="tx2">
+              <a:lumMod val="20000"/>
+              <a:lumOff val="80000"/>
             </a:schemeClr>
           </a:solidFill>
           <a:ln>
             <a:solidFill>
-              <a:schemeClr val="accent2">
-                <a:lumMod val="40000"/>
-                <a:lumOff val="60000"/>
+              <a:schemeClr val="tx2">
+                <a:lumMod val="20000"/>
+                <a:lumOff val="80000"/>
               </a:schemeClr>
             </a:solidFill>
           </a:ln>
@@ -9654,104 +9227,6 @@
           <a:chExt cx="0" cy="0"/>
         </a:xfrm>
       </p:grpSpPr>
-      <p:sp>
-        <p:nvSpPr>
-          <p:cNvPr id="2" name="대각선 방향의 모서리가 둥근 사각형 1"/>
-          <p:cNvSpPr/>
-          <p:nvPr/>
-        </p:nvSpPr>
-        <p:spPr>
-          <a:xfrm>
-            <a:off x="333375" y="247650"/>
-            <a:ext cx="3105150" cy="990600"/>
-          </a:xfrm>
-          <a:prstGeom prst="round2DiagRect">
-            <a:avLst/>
-          </a:prstGeom>
-          <a:solidFill>
-            <a:schemeClr val="accent4">
-              <a:lumMod val="40000"/>
-              <a:lumOff val="60000"/>
-            </a:schemeClr>
-          </a:solidFill>
-          <a:ln>
-            <a:solidFill>
-              <a:schemeClr val="accent2">
-                <a:lumMod val="40000"/>
-                <a:lumOff val="60000"/>
-              </a:schemeClr>
-            </a:solidFill>
-          </a:ln>
-        </p:spPr>
-        <p:style>
-          <a:lnRef idx="2">
-            <a:schemeClr val="accent1">
-              <a:shade val="50000"/>
-            </a:schemeClr>
-          </a:lnRef>
-          <a:fillRef idx="1">
-            <a:schemeClr val="accent1"/>
-          </a:fillRef>
-          <a:effectRef idx="0">
-            <a:schemeClr val="accent1"/>
-          </a:effectRef>
-          <a:fontRef idx="minor">
-            <a:schemeClr val="lt1"/>
-          </a:fontRef>
-        </p:style>
-        <p:txBody>
-          <a:bodyPr rtlCol="0" anchor="ctr"/>
-          <a:lstStyle/>
-          <a:p>
-            <a:pPr algn="ctr"/>
-            <a:r>
-              <a:rPr lang="ko-KR" altLang="en-US" sz="2000" b="1" dirty="0" smtClean="0">
-                <a:solidFill>
-                  <a:schemeClr val="tx2">
-                    <a:lumMod val="75000"/>
-                  </a:schemeClr>
-                </a:solidFill>
-                <a:latin typeface="1훈레몬소다 Regular" panose="02020603020101020101" pitchFamily="18" charset="-127"/>
-                <a:ea typeface="1훈레몬소다 Regular" panose="02020603020101020101" pitchFamily="18" charset="-127"/>
-              </a:rPr>
-              <a:t>관리 프로그램 완성</a:t>
-            </a:r>
-            <a:endParaRPr lang="en-US" altLang="ko-KR" sz="2000" b="1" dirty="0" smtClean="0">
-              <a:solidFill>
-                <a:schemeClr val="tx2">
-                  <a:lumMod val="75000"/>
-                </a:schemeClr>
-              </a:solidFill>
-              <a:latin typeface="1훈레몬소다 Regular" panose="02020603020101020101" pitchFamily="18" charset="-127"/>
-              <a:ea typeface="1훈레몬소다 Regular" panose="02020603020101020101" pitchFamily="18" charset="-127"/>
-            </a:endParaRPr>
-          </a:p>
-          <a:p>
-            <a:pPr algn="ctr"/>
-            <a:r>
-              <a:rPr lang="ko-KR" altLang="en-US" sz="2000" b="1" dirty="0" smtClean="0">
-                <a:solidFill>
-                  <a:schemeClr val="tx2">
-                    <a:lumMod val="75000"/>
-                  </a:schemeClr>
-                </a:solidFill>
-                <a:latin typeface="1훈레몬소다 Regular" panose="02020603020101020101" pitchFamily="18" charset="-127"/>
-                <a:ea typeface="1훈레몬소다 Regular" panose="02020603020101020101" pitchFamily="18" charset="-127"/>
-              </a:rPr>
-              <a:t>정보 입력</a:t>
-            </a:r>
-            <a:endParaRPr lang="ko-KR" altLang="en-US" sz="2000" b="1" dirty="0">
-              <a:solidFill>
-                <a:schemeClr val="tx2">
-                  <a:lumMod val="75000"/>
-                </a:schemeClr>
-              </a:solidFill>
-              <a:latin typeface="1훈레몬소다 Regular" panose="02020603020101020101" pitchFamily="18" charset="-127"/>
-              <a:ea typeface="1훈레몬소다 Regular" panose="02020603020101020101" pitchFamily="18" charset="-127"/>
-            </a:endParaRPr>
-          </a:p>
-        </p:txBody>
-      </p:sp>
       <p:pic>
         <p:nvPicPr>
           <p:cNvPr id="3" name="그림 2"/>
@@ -9776,6 +9251,104 @@
           </a:prstGeom>
         </p:spPr>
       </p:pic>
+      <p:sp>
+        <p:nvSpPr>
+          <p:cNvPr id="5" name="대각선 방향의 모서리가 둥근 사각형 4"/>
+          <p:cNvSpPr/>
+          <p:nvPr/>
+        </p:nvSpPr>
+        <p:spPr>
+          <a:xfrm>
+            <a:off x="333375" y="247650"/>
+            <a:ext cx="3105150" cy="990600"/>
+          </a:xfrm>
+          <a:prstGeom prst="round2DiagRect">
+            <a:avLst/>
+          </a:prstGeom>
+          <a:solidFill>
+            <a:schemeClr val="tx2">
+              <a:lumMod val="20000"/>
+              <a:lumOff val="80000"/>
+            </a:schemeClr>
+          </a:solidFill>
+          <a:ln>
+            <a:solidFill>
+              <a:schemeClr val="tx2">
+                <a:lumMod val="20000"/>
+                <a:lumOff val="80000"/>
+              </a:schemeClr>
+            </a:solidFill>
+          </a:ln>
+        </p:spPr>
+        <p:style>
+          <a:lnRef idx="2">
+            <a:schemeClr val="accent1">
+              <a:shade val="50000"/>
+            </a:schemeClr>
+          </a:lnRef>
+          <a:fillRef idx="1">
+            <a:schemeClr val="accent1"/>
+          </a:fillRef>
+          <a:effectRef idx="0">
+            <a:schemeClr val="accent1"/>
+          </a:effectRef>
+          <a:fontRef idx="minor">
+            <a:schemeClr val="lt1"/>
+          </a:fontRef>
+        </p:style>
+        <p:txBody>
+          <a:bodyPr rtlCol="0" anchor="ctr"/>
+          <a:lstStyle/>
+          <a:p>
+            <a:pPr algn="ctr"/>
+            <a:r>
+              <a:rPr lang="ko-KR" altLang="en-US" sz="2000" b="1" dirty="0" smtClean="0">
+                <a:solidFill>
+                  <a:schemeClr val="tx2">
+                    <a:lumMod val="75000"/>
+                  </a:schemeClr>
+                </a:solidFill>
+                <a:latin typeface="1훈레몬소다 Regular" panose="02020603020101020101" pitchFamily="18" charset="-127"/>
+                <a:ea typeface="1훈레몬소다 Regular" panose="02020603020101020101" pitchFamily="18" charset="-127"/>
+              </a:rPr>
+              <a:t>관리 프로그램 완성</a:t>
+            </a:r>
+            <a:endParaRPr lang="en-US" altLang="ko-KR" sz="2000" b="1" dirty="0" smtClean="0">
+              <a:solidFill>
+                <a:schemeClr val="tx2">
+                  <a:lumMod val="75000"/>
+                </a:schemeClr>
+              </a:solidFill>
+              <a:latin typeface="1훈레몬소다 Regular" panose="02020603020101020101" pitchFamily="18" charset="-127"/>
+              <a:ea typeface="1훈레몬소다 Regular" panose="02020603020101020101" pitchFamily="18" charset="-127"/>
+            </a:endParaRPr>
+          </a:p>
+          <a:p>
+            <a:pPr algn="ctr"/>
+            <a:r>
+              <a:rPr lang="ko-KR" altLang="en-US" sz="2000" b="1" dirty="0" smtClean="0">
+                <a:solidFill>
+                  <a:schemeClr val="tx2">
+                    <a:lumMod val="75000"/>
+                  </a:schemeClr>
+                </a:solidFill>
+                <a:latin typeface="1훈레몬소다 Regular" panose="02020603020101020101" pitchFamily="18" charset="-127"/>
+                <a:ea typeface="1훈레몬소다 Regular" panose="02020603020101020101" pitchFamily="18" charset="-127"/>
+              </a:rPr>
+              <a:t>정보 입력</a:t>
+            </a:r>
+            <a:endParaRPr lang="ko-KR" altLang="en-US" sz="2000" b="1" dirty="0">
+              <a:solidFill>
+                <a:schemeClr val="tx2">
+                  <a:lumMod val="75000"/>
+                </a:schemeClr>
+              </a:solidFill>
+              <a:latin typeface="1훈레몬소다 Regular" panose="02020603020101020101" pitchFamily="18" charset="-127"/>
+              <a:ea typeface="1훈레몬소다 Regular" panose="02020603020101020101" pitchFamily="18" charset="-127"/>
+            </a:endParaRPr>
+          </a:p>
+        </p:txBody>
+      </p:sp>
     </p:spTree>
     <p:extLst>
       <p:ext uri="{BB962C8B-B14F-4D97-AF65-F5344CB8AC3E}">
@@ -9839,16 +9412,16 @@
             <a:avLst/>
           </a:prstGeom>
           <a:solidFill>
-            <a:schemeClr val="accent4">
+            <a:schemeClr val="accent3">
               <a:lumMod val="40000"/>
               <a:lumOff val="60000"/>
             </a:schemeClr>
           </a:solidFill>
           <a:ln>
             <a:solidFill>
-              <a:schemeClr val="accent2">
-                <a:lumMod val="40000"/>
-                <a:lumOff val="60000"/>
+              <a:schemeClr val="accent3">
+                <a:lumMod val="20000"/>
+                <a:lumOff val="80000"/>
               </a:schemeClr>
             </a:solidFill>
           </a:ln>
